--- a/ASP.NetCore/Presentations/05.API.pptx
+++ b/ASP.NetCore/Presentations/05.API.pptx
@@ -290,7 +290,7 @@
               <a:pPr>
                 <a:defRPr/>
               </a:pPr>
-              <a:t>4/24/2022</a:t>
+              <a:t>5/4/2022</a:t>
             </a:fld>
             <a:endParaRPr lang="en-US" dirty="0"/>
           </a:p>
@@ -14476,7 +14476,7 @@
           <p:nvPr>
             <p:extLst>
               <p:ext uri="{D42A27DB-BD31-4B8C-83A1-F6EECF244321}">
-                <p14:modId xmlns:p14="http://schemas.microsoft.com/office/powerpoint/2010/main" val="1886778307"/>
+                <p14:modId xmlns:p14="http://schemas.microsoft.com/office/powerpoint/2010/main" val="1256026218"/>
               </p:ext>
             </p:extLst>
           </p:nvPr>
@@ -14489,7 +14489,7 @@
           <a:graphicData uri="http://schemas.openxmlformats.org/presentationml/2006/ole">
             <mc:AlternateContent xmlns:mc="http://schemas.openxmlformats.org/markup-compatibility/2006">
               <mc:Choice xmlns:v="urn:schemas-microsoft-com:vml" Requires="v">
-                <p:oleObj spid="_x0000_s1029" name="Document" showAsIcon="1" r:id="rId4" imgW="914597" imgH="806311" progId="Word.Document.12">
+                <p:oleObj spid="_x0000_s1030" name="Document" showAsIcon="1" r:id="rId4" imgW="914597" imgH="806311" progId="Word.Document.12">
                   <p:embed/>
                 </p:oleObj>
               </mc:Choice>
@@ -14764,7 +14764,7 @@
           <p:nvPr>
             <p:extLst>
               <p:ext uri="{D42A27DB-BD31-4B8C-83A1-F6EECF244321}">
-                <p14:modId xmlns:p14="http://schemas.microsoft.com/office/powerpoint/2010/main" val="3177156269"/>
+                <p14:modId xmlns:p14="http://schemas.microsoft.com/office/powerpoint/2010/main" val="2719128021"/>
               </p:ext>
             </p:extLst>
           </p:nvPr>
@@ -14777,7 +14777,7 @@
           <a:graphicData uri="http://schemas.openxmlformats.org/presentationml/2006/ole">
             <mc:AlternateContent xmlns:mc="http://schemas.openxmlformats.org/markup-compatibility/2006">
               <mc:Choice xmlns:v="urn:schemas-microsoft-com:vml" Requires="v">
-                <p:oleObj spid="_x0000_s2053" name="Document" showAsIcon="1" r:id="rId4" imgW="914597" imgH="806311" progId="Word.Document.12">
+                <p:oleObj spid="_x0000_s2054" name="Document" showAsIcon="1" r:id="rId4" imgW="914597" imgH="806311" progId="Word.Document.12">
                   <p:embed/>
                 </p:oleObj>
               </mc:Choice>
@@ -15039,10 +15039,10 @@
       </p:pic>
       <p:graphicFrame>
         <p:nvGraphicFramePr>
-          <p:cNvPr id="2" name="Object 1">
+          <p:cNvPr id="6" name="Object 5">
             <a:extLst>
               <a:ext uri="{FF2B5EF4-FFF2-40B4-BE49-F238E27FC236}">
-                <a16:creationId xmlns:a16="http://schemas.microsoft.com/office/drawing/2014/main" id="{8F438253-8C3E-48FF-83C0-EA4284F0C9D3}"/>
+                <a16:creationId xmlns:a16="http://schemas.microsoft.com/office/drawing/2014/main" id="{E339E671-AB23-2ACC-DB00-28B73D8B832B}"/>
               </a:ext>
             </a:extLst>
           </p:cNvPr>
@@ -15052,20 +15052,20 @@
           <p:nvPr>
             <p:extLst>
               <p:ext uri="{D42A27DB-BD31-4B8C-83A1-F6EECF244321}">
-                <p14:modId xmlns:p14="http://schemas.microsoft.com/office/powerpoint/2010/main" val="3949697482"/>
+                <p14:modId xmlns:p14="http://schemas.microsoft.com/office/powerpoint/2010/main" val="4087407249"/>
               </p:ext>
             </p:extLst>
           </p:nvPr>
         </p:nvGraphicFramePr>
         <p:xfrm>
-          <a:off x="6657975" y="4642841"/>
-          <a:ext cx="1285875" cy="1134070"/>
+          <a:off x="6527818" y="4848225"/>
+          <a:ext cx="1229289" cy="1084165"/>
         </p:xfrm>
         <a:graphic>
           <a:graphicData uri="http://schemas.openxmlformats.org/presentationml/2006/ole">
             <mc:AlternateContent xmlns:mc="http://schemas.openxmlformats.org/markup-compatibility/2006">
               <mc:Choice xmlns:v="urn:schemas-microsoft-com:vml" Requires="v">
-                <p:oleObj spid="_x0000_s3077" name="Document" showAsIcon="1" r:id="rId4" imgW="914597" imgH="806311" progId="Word.Document.12">
+                <p:oleObj spid="_x0000_s3078" name="Document" showAsIcon="1" r:id="rId4" imgW="914597" imgH="806311" progId="Word.Document.12">
                   <p:embed/>
                 </p:oleObj>
               </mc:Choice>
@@ -15086,8 +15086,8 @@
                     </p:blipFill>
                     <p:spPr>
                       <a:xfrm>
-                        <a:off x="6657975" y="4642841"/>
-                        <a:ext cx="1285875" cy="1134070"/>
+                        <a:off x="6527818" y="4848225"/>
+                        <a:ext cx="1229289" cy="1084165"/>
                       </a:xfrm>
                       <a:prstGeom prst="rect">
                         <a:avLst/>
@@ -17110,7 +17110,7 @@
           <p:nvPr>
             <p:extLst>
               <p:ext uri="{D42A27DB-BD31-4B8C-83A1-F6EECF244321}">
-                <p14:modId xmlns:p14="http://schemas.microsoft.com/office/powerpoint/2010/main" val="763602641"/>
+                <p14:modId xmlns:p14="http://schemas.microsoft.com/office/powerpoint/2010/main" val="3038566385"/>
               </p:ext>
             </p:extLst>
           </p:nvPr>
@@ -17123,7 +17123,7 @@
           <a:graphicData uri="http://schemas.openxmlformats.org/presentationml/2006/ole">
             <mc:AlternateContent xmlns:mc="http://schemas.openxmlformats.org/markup-compatibility/2006">
               <mc:Choice xmlns:v="urn:schemas-microsoft-com:vml" Requires="v">
-                <p:oleObj spid="_x0000_s4101" name="Document" showAsIcon="1" r:id="rId4" imgW="781920" imgH="657000" progId="Word.Document.12">
+                <p:oleObj spid="_x0000_s4102" name="Document" showAsIcon="1" r:id="rId4" imgW="781920" imgH="657000" progId="Word.Document.12">
                   <p:embed/>
                 </p:oleObj>
               </mc:Choice>
@@ -18606,7 +18606,7 @@
           <a:graphicData uri="http://schemas.openxmlformats.org/presentationml/2006/ole">
             <mc:AlternateContent xmlns:mc="http://schemas.openxmlformats.org/markup-compatibility/2006">
               <mc:Choice xmlns:v="urn:schemas-microsoft-com:vml" Requires="v">
-                <p:oleObj spid="_x0000_s5125" name="Document" showAsIcon="1" r:id="rId5" imgW="914597" imgH="806311" progId="Word.Document.12">
+                <p:oleObj spid="_x0000_s5126" name="Document" showAsIcon="1" r:id="rId5" imgW="914597" imgH="806311" progId="Word.Document.12">
                   <p:embed/>
                 </p:oleObj>
               </mc:Choice>
@@ -19997,7 +19997,7 @@
           <a:graphicData uri="http://schemas.openxmlformats.org/presentationml/2006/ole">
             <mc:AlternateContent xmlns:mc="http://schemas.openxmlformats.org/markup-compatibility/2006">
               <mc:Choice xmlns:v="urn:schemas-microsoft-com:vml" Requires="v">
-                <p:oleObj spid="_x0000_s6149" name="Document" showAsIcon="1" r:id="rId5" imgW="914597" imgH="806311" progId="Word.Document.12">
+                <p:oleObj spid="_x0000_s6150" name="Document" showAsIcon="1" r:id="rId5" imgW="914597" imgH="806311" progId="Word.Document.12">
                   <p:embed/>
                 </p:oleObj>
               </mc:Choice>
